--- a/embedded_presentation.pptx
+++ b/embedded_presentation.pptx
@@ -813,6 +813,90 @@
           <a:p>
             <a:fld id="{EFF8871E-D9EC-4F21-B417-3B4D0561B349}" type="slidenum">
               <a:rPr lang="ko-KR" altLang="en-US" smtClean="0"/>
+              <a:t>2</a:t>
+            </a:fld>
+            <a:endParaRPr lang="ko-KR" altLang="en-US"/>
+          </a:p>
+        </p:txBody>
+      </p:sp>
+    </p:spTree>
+    <p:extLst>
+      <p:ext uri="{BB962C8B-B14F-4D97-AF65-F5344CB8AC3E}">
+        <p14:creationId xmlns:p14="http://schemas.microsoft.com/office/powerpoint/2010/main" val="2177105691"/>
+      </p:ext>
+    </p:extLst>
+  </p:cSld>
+  <p:clrMapOvr>
+    <a:masterClrMapping/>
+  </p:clrMapOvr>
+</p:notes>
+</file>
+
+<file path=ppt/notesSlides/notesSlide3.xml><?xml version="1.0" encoding="utf-8"?>
+<p:notes xmlns:a="http://schemas.openxmlformats.org/drawingml/2006/main" xmlns:r="http://schemas.openxmlformats.org/officeDocument/2006/relationships" xmlns:p="http://schemas.openxmlformats.org/presentationml/2006/main">
+  <p:cSld>
+    <p:spTree>
+      <p:nvGrpSpPr>
+        <p:cNvPr id="1" name=""/>
+        <p:cNvGrpSpPr/>
+        <p:nvPr/>
+      </p:nvGrpSpPr>
+      <p:grpSpPr>
+        <a:xfrm>
+          <a:off x="0" y="0"/>
+          <a:ext cx="0" cy="0"/>
+          <a:chOff x="0" y="0"/>
+          <a:chExt cx="0" cy="0"/>
+        </a:xfrm>
+      </p:grpSpPr>
+      <p:sp>
+        <p:nvSpPr>
+          <p:cNvPr id="2" name="슬라이드 이미지 개체 틀 1"/>
+          <p:cNvSpPr>
+            <a:spLocks noGrp="1" noRot="1" noChangeAspect="1"/>
+          </p:cNvSpPr>
+          <p:nvPr>
+            <p:ph type="sldImg"/>
+          </p:nvPr>
+        </p:nvSpPr>
+        <p:spPr/>
+      </p:sp>
+      <p:sp>
+        <p:nvSpPr>
+          <p:cNvPr id="3" name="슬라이드 노트 개체 틀 2"/>
+          <p:cNvSpPr>
+            <a:spLocks noGrp="1"/>
+          </p:cNvSpPr>
+          <p:nvPr>
+            <p:ph type="body" idx="1"/>
+          </p:nvPr>
+        </p:nvSpPr>
+        <p:spPr/>
+        <p:txBody>
+          <a:bodyPr/>
+          <a:lstStyle/>
+          <a:p>
+            <a:endParaRPr lang="ko-KR" altLang="en-US" dirty="0"/>
+          </a:p>
+        </p:txBody>
+      </p:sp>
+      <p:sp>
+        <p:nvSpPr>
+          <p:cNvPr id="4" name="슬라이드 번호 개체 틀 3"/>
+          <p:cNvSpPr>
+            <a:spLocks noGrp="1"/>
+          </p:cNvSpPr>
+          <p:nvPr>
+            <p:ph type="sldNum" sz="quarter" idx="10"/>
+          </p:nvPr>
+        </p:nvSpPr>
+        <p:spPr/>
+        <p:txBody>
+          <a:bodyPr/>
+          <a:lstStyle/>
+          <a:p>
+            <a:fld id="{EFF8871E-D9EC-4F21-B417-3B4D0561B349}" type="slidenum">
+              <a:rPr lang="ko-KR" altLang="en-US" smtClean="0"/>
               <a:t>4</a:t>
             </a:fld>
             <a:endParaRPr lang="ko-KR" altLang="en-US"/>
@@ -832,7 +916,7 @@
 </p:notes>
 </file>
 
-<file path=ppt/notesSlides/notesSlide3.xml><?xml version="1.0" encoding="utf-8"?>
+<file path=ppt/notesSlides/notesSlide4.xml><?xml version="1.0" encoding="utf-8"?>
 <p:notes xmlns:a="http://schemas.openxmlformats.org/drawingml/2006/main" xmlns:r="http://schemas.openxmlformats.org/officeDocument/2006/relationships" xmlns:p="http://schemas.openxmlformats.org/presentationml/2006/main">
   <p:cSld>
     <p:spTree>
@@ -1028,92 +1112,6 @@
           </a:prstGeom>
         </p:spPr>
       </p:pic>
-      <p:grpSp>
-        <p:nvGrpSpPr>
-          <p:cNvPr id="4" name="그룹 3"/>
-          <p:cNvGrpSpPr/>
-          <p:nvPr userDrawn="1"/>
-        </p:nvGrpSpPr>
-        <p:grpSpPr>
-          <a:xfrm>
-            <a:off x="213681" y="193036"/>
-            <a:ext cx="727613" cy="829840"/>
-            <a:chOff x="366276" y="7777178"/>
-            <a:chExt cx="946956" cy="1080000"/>
-          </a:xfrm>
-        </p:grpSpPr>
-        <p:pic>
-          <p:nvPicPr>
-            <p:cNvPr id="5" name="Picture 2" descr="C:\Users\hojin\Dropbox\무제-1 복사.png"/>
-            <p:cNvPicPr>
-              <a:picLocks noChangeAspect="1" noChangeArrowheads="1"/>
-            </p:cNvPicPr>
-            <p:nvPr userDrawn="1"/>
-          </p:nvPicPr>
-          <p:blipFill>
-            <a:blip r:embed="rId3" cstate="print">
-              <a:extLst>
-                <a:ext uri="{28A0092B-C50C-407E-A947-70E740481C1C}">
-                  <a14:useLocalDpi xmlns:a14="http://schemas.microsoft.com/office/drawing/2010/main" val="0"/>
-                </a:ext>
-              </a:extLst>
-            </a:blip>
-            <a:srcRect/>
-            <a:stretch>
-              <a:fillRect/>
-            </a:stretch>
-          </p:blipFill>
-          <p:spPr bwMode="auto">
-            <a:xfrm>
-              <a:off x="366276" y="7777178"/>
-              <a:ext cx="946868" cy="1080000"/>
-            </a:xfrm>
-            <a:prstGeom prst="rect">
-              <a:avLst/>
-            </a:prstGeom>
-            <a:noFill/>
-            <a:extLst>
-              <a:ext uri="{909E8E84-426E-40DD-AFC4-6F175D3DCCD1}">
-                <a14:hiddenFill xmlns:a14="http://schemas.microsoft.com/office/drawing/2010/main">
-                  <a:solidFill>
-                    <a:srgbClr val="FFFFFF"/>
-                  </a:solidFill>
-                </a14:hiddenFill>
-              </a:ext>
-            </a:extLst>
-          </p:spPr>
-        </p:pic>
-        <p:pic>
-          <p:nvPicPr>
-            <p:cNvPr id="6" name="그림 5"/>
-            <p:cNvPicPr>
-              <a:picLocks noChangeAspect="1"/>
-            </p:cNvPicPr>
-            <p:nvPr userDrawn="1"/>
-          </p:nvPicPr>
-          <p:blipFill>
-            <a:blip r:embed="rId4" cstate="print">
-              <a:extLst>
-                <a:ext uri="{28A0092B-C50C-407E-A947-70E740481C1C}">
-                  <a14:useLocalDpi xmlns:a14="http://schemas.microsoft.com/office/drawing/2010/main" val="0"/>
-                </a:ext>
-              </a:extLst>
-            </a:blip>
-            <a:stretch>
-              <a:fillRect/>
-            </a:stretch>
-          </p:blipFill>
-          <p:spPr>
-            <a:xfrm>
-              <a:off x="366276" y="7777178"/>
-              <a:ext cx="946956" cy="1080000"/>
-            </a:xfrm>
-            <a:prstGeom prst="rect">
-              <a:avLst/>
-            </a:prstGeom>
-          </p:spPr>
-        </p:pic>
-      </p:grpSp>
       <p:sp>
         <p:nvSpPr>
           <p:cNvPr id="15" name="제목 14"/>
@@ -1180,11 +1178,42 @@
           </a:p>
         </p:txBody>
       </p:sp>
+      <p:pic>
+        <p:nvPicPr>
+          <p:cNvPr id="3" name="그림 2"/>
+          <p:cNvPicPr>
+            <a:picLocks noChangeAspect="1"/>
+          </p:cNvPicPr>
+          <p:nvPr userDrawn="1"/>
+        </p:nvPicPr>
+        <p:blipFill>
+          <a:blip r:embed="rId3"/>
+          <a:stretch>
+            <a:fillRect/>
+          </a:stretch>
+        </p:blipFill>
+        <p:spPr>
+          <a:xfrm>
+            <a:off x="107504" y="123721"/>
+            <a:ext cx="756084" cy="744965"/>
+          </a:xfrm>
+          <a:prstGeom prst="rect">
+            <a:avLst/>
+          </a:prstGeom>
+        </p:spPr>
+      </p:pic>
     </p:spTree>
   </p:cSld>
   <p:clrMapOvr>
     <a:masterClrMapping/>
   </p:clrMapOvr>
+  <p:timing>
+    <p:tnLst>
+      <p:par>
+        <p:cTn id="1" dur="indefinite" restart="never" nodeType="tmRoot"/>
+      </p:par>
+    </p:tnLst>
+  </p:timing>
 </p:sldLayout>
 </file>
 
@@ -1298,7 +1327,7 @@
           </a:lstStyle>
           <a:p>
             <a:r>
-              <a:rPr lang="en-US"/>
+              <a:rPr lang="en-US" smtClean="0"/>
               <a:t>Title</a:t>
             </a:r>
             <a:endParaRPr lang="en-US" dirty="0"/>
@@ -1757,7 +1786,7 @@
           </a:lstStyle>
           <a:p>
             <a:r>
-              <a:rPr lang="en-US" altLang="ko-KR"/>
+              <a:rPr lang="en-US" altLang="ko-KR" smtClean="0"/>
               <a:t>Title</a:t>
             </a:r>
             <a:endParaRPr lang="en-US" altLang="ko-KR" dirty="0"/>
@@ -2398,7 +2427,7 @@
           <a:lstStyle/>
           <a:p>
             <a:r>
-              <a:rPr lang="en-US" altLang="ko-KR"/>
+              <a:rPr lang="en-US" altLang="ko-KR" smtClean="0"/>
               <a:t>Title</a:t>
             </a:r>
             <a:endParaRPr lang="en-US" altLang="ko-KR" dirty="0"/>
@@ -2864,14 +2893,23 @@
             <p:ph type="ftr" sz="quarter" idx="11"/>
           </p:nvPr>
         </p:nvSpPr>
-        <p:spPr/>
+        <p:spPr>
+          <a:xfrm>
+            <a:off x="2627784" y="6344752"/>
+            <a:ext cx="3960440" cy="365760"/>
+          </a:xfrm>
+        </p:spPr>
         <p:txBody>
           <a:bodyPr/>
-          <a:lstStyle/>
-          <a:p>
-            <a:r>
-              <a:rPr lang="en-US" altLang="ko-KR"/>
-              <a:t>Title</a:t>
+          <a:lstStyle>
+            <a:lvl1pPr>
+              <a:defRPr/>
+            </a:lvl1pPr>
+          </a:lstStyle>
+          <a:p>
+            <a:r>
+              <a:rPr lang="en-US" altLang="ko-KR" dirty="0" smtClean="0"/>
+              <a:t>Power-adaptive network selection technique</a:t>
             </a:r>
             <a:endParaRPr lang="en-US" altLang="ko-KR" dirty="0"/>
           </a:p>
@@ -2974,33 +3012,6 @@
               <a:rPr kumimoji="0" lang="en-US" dirty="0"/>
               <a:t>Click to edit Master title style</a:t>
             </a:r>
-          </a:p>
-        </p:txBody>
-      </p:sp>
-      <p:sp>
-        <p:nvSpPr>
-          <p:cNvPr id="8" name="Date Placeholder 3"/>
-          <p:cNvSpPr>
-            <a:spLocks noGrp="1"/>
-          </p:cNvSpPr>
-          <p:nvPr>
-            <p:ph type="dt" sz="half" idx="10"/>
-          </p:nvPr>
-        </p:nvSpPr>
-        <p:spPr>
-          <a:xfrm>
-            <a:off x="6400800" y="6356350"/>
-            <a:ext cx="1228580" cy="365760"/>
-          </a:xfrm>
-          <a:prstGeom prst="rect">
-            <a:avLst/>
-          </a:prstGeom>
-        </p:spPr>
-        <p:txBody>
-          <a:bodyPr/>
-          <a:lstStyle/>
-          <a:p>
-            <a:endParaRPr lang="en-US" dirty="0"/>
           </a:p>
         </p:txBody>
       </p:sp>
@@ -3278,7 +3289,7 @@
           <a:lstStyle/>
           <a:p>
             <a:r>
-              <a:rPr lang="en-US" altLang="ko-KR"/>
+              <a:rPr lang="en-US" altLang="ko-KR" smtClean="0"/>
               <a:t>Title</a:t>
             </a:r>
             <a:endParaRPr lang="en-US" altLang="ko-KR" dirty="0"/>
@@ -3751,7 +3762,7 @@
           <a:lstStyle/>
           <a:p>
             <a:r>
-              <a:rPr lang="en-US" altLang="ko-KR"/>
+              <a:rPr lang="en-US" altLang="ko-KR" smtClean="0"/>
               <a:t>Title</a:t>
             </a:r>
             <a:endParaRPr lang="en-US" altLang="ko-KR" dirty="0"/>
@@ -4197,7 +4208,7 @@
           <a:lstStyle/>
           <a:p>
             <a:r>
-              <a:rPr lang="en-US" altLang="ko-KR"/>
+              <a:rPr lang="en-US" altLang="ko-KR" smtClean="0"/>
               <a:t>Title</a:t>
             </a:r>
             <a:endParaRPr lang="en-US" altLang="ko-KR" dirty="0"/>
@@ -4766,7 +4777,7 @@
           </a:lstStyle>
           <a:p>
             <a:r>
-              <a:rPr lang="en-US"/>
+              <a:rPr lang="en-US" smtClean="0"/>
               <a:t>Title</a:t>
             </a:r>
             <a:endParaRPr lang="en-US" dirty="0"/>
@@ -5284,26 +5295,65 @@
             <p:ph type="title"/>
           </p:nvPr>
         </p:nvSpPr>
-        <p:spPr/>
-        <p:txBody>
-          <a:bodyPr/>
+        <p:spPr>
+          <a:xfrm>
+            <a:off x="1084890" y="3479304"/>
+            <a:ext cx="6944012" cy="2325960"/>
+          </a:xfrm>
+        </p:spPr>
+        <p:txBody>
+          <a:bodyPr>
+            <a:normAutofit fontScale="90000"/>
+          </a:bodyPr>
           <a:lstStyle/>
           <a:p>
+            <a:pPr>
+              <a:lnSpc>
+                <a:spcPct val="150000"/>
+              </a:lnSpc>
+            </a:pPr>
             <a:r>
               <a:rPr lang="ko-KR" altLang="en-US" dirty="0"/>
               <a:t>전자공학과 </a:t>
             </a:r>
             <a:r>
-              <a:rPr lang="ko-KR" altLang="en-US" dirty="0" err="1"/>
+              <a:rPr lang="ko-KR" altLang="en-US" u="sng" dirty="0" err="1"/>
               <a:t>장정규</a:t>
+            </a:r>
+            <a:r>
+              <a:rPr lang="en-US" altLang="ko-KR" dirty="0"/>
+              <a:t/>
             </a:r>
             <a:br>
               <a:rPr lang="en-US" altLang="ko-KR" dirty="0"/>
             </a:br>
             <a:r>
               <a:rPr lang="ko-KR" altLang="en-US" dirty="0"/>
-              <a:t>컴퓨터공학과 남우진</a:t>
-            </a:r>
+              <a:t>컴퓨터공학과 </a:t>
+            </a:r>
+            <a:r>
+              <a:rPr lang="ko-KR" altLang="en-US" dirty="0" smtClean="0"/>
+              <a:t>남우진</a:t>
+            </a:r>
+            <a:r>
+              <a:rPr lang="en-US" altLang="ko-KR" dirty="0" smtClean="0"/>
+              <a:t/>
+            </a:r>
+            <a:br>
+              <a:rPr lang="en-US" altLang="ko-KR" dirty="0" smtClean="0"/>
+            </a:br>
+            <a:r>
+              <a:rPr lang="en-US" altLang="ko-KR" dirty="0" smtClean="0"/>
+              <a:t/>
+            </a:r>
+            <a:br>
+              <a:rPr lang="en-US" altLang="ko-KR" dirty="0" smtClean="0"/>
+            </a:br>
+            <a:r>
+              <a:rPr lang="en-US" altLang="ko-KR" sz="2200" dirty="0" smtClean="0"/>
+              <a:t>Oct 13, 2017</a:t>
+            </a:r>
+            <a:endParaRPr lang="ko-KR" altLang="en-US" dirty="0"/>
           </a:p>
         </p:txBody>
       </p:sp>
@@ -5317,7 +5367,12 @@
             <p:ph type="body" sz="quarter" idx="10"/>
           </p:nvPr>
         </p:nvSpPr>
-        <p:spPr/>
+        <p:spPr>
+          <a:xfrm>
+            <a:off x="406675" y="1052736"/>
+            <a:ext cx="8300442" cy="2426568"/>
+          </a:xfrm>
+        </p:spPr>
         <p:txBody>
           <a:bodyPr>
             <a:normAutofit/>
@@ -5341,6 +5396,13 @@
   <p:clrMapOvr>
     <a:masterClrMapping/>
   </p:clrMapOvr>
+  <p:timing>
+    <p:tnLst>
+      <p:par>
+        <p:cTn id="1" dur="indefinite" restart="never" nodeType="tmRoot"/>
+      </p:par>
+    </p:tnLst>
+  </p:timing>
 </p:sld>
 </file>
 
@@ -5543,6 +5605,13 @@
   <p:clrMapOvr>
     <a:masterClrMapping/>
   </p:clrMapOvr>
+  <p:timing>
+    <p:tnLst>
+      <p:par>
+        <p:cTn id="1" dur="indefinite" restart="never" nodeType="tmRoot"/>
+      </p:par>
+    </p:tnLst>
+  </p:timing>
 </p:sld>
 </file>
 
@@ -5622,6 +5691,11 @@
           </a:bodyPr>
           <a:lstStyle/>
           <a:p>
+            <a:pPr>
+              <a:lnSpc>
+                <a:spcPct val="150000"/>
+              </a:lnSpc>
+            </a:pPr>
             <a:r>
               <a:rPr lang="ko-KR" altLang="en-US" sz="2000" dirty="0"/>
               <a:t>최근 여러 분야에서 </a:t>
@@ -5632,14 +5706,20 @@
             </a:r>
             <a:r>
               <a:rPr lang="ko-KR" altLang="en-US" sz="2000" dirty="0"/>
-              <a:t> 기술들이 다양하게 사용됨</a:t>
+              <a:t> 기술들이 다양하게 </a:t>
+            </a:r>
+            <a:r>
+              <a:rPr lang="ko-KR" altLang="en-US" sz="2000" dirty="0" smtClean="0"/>
+              <a:t>사용됨</a:t>
             </a:r>
             <a:endParaRPr lang="en-US" altLang="ko-KR" sz="2000" dirty="0"/>
           </a:p>
           <a:p>
-            <a:endParaRPr lang="en-US" altLang="ko-KR" sz="2000" dirty="0"/>
-          </a:p>
-          <a:p>
+            <a:pPr>
+              <a:lnSpc>
+                <a:spcPct val="150000"/>
+              </a:lnSpc>
+            </a:pPr>
             <a:r>
               <a:rPr lang="ko-KR" altLang="en-US" sz="2000" dirty="0"/>
               <a:t>임베디드 시스템 환경에서 </a:t>
@@ -5650,17 +5730,27 @@
             </a:r>
             <a:r>
               <a:rPr lang="ko-KR" altLang="en-US" sz="2000" dirty="0"/>
-              <a:t> 적용하는 사례가 등장</a:t>
+              <a:t> 적용하는 사례가 </a:t>
+            </a:r>
+            <a:r>
+              <a:rPr lang="ko-KR" altLang="en-US" sz="2000" dirty="0" smtClean="0"/>
+              <a:t>등장</a:t>
             </a:r>
             <a:endParaRPr lang="en-US" altLang="ko-KR" sz="2000" dirty="0"/>
           </a:p>
           <a:p>
-            <a:endParaRPr lang="en-US" altLang="ko-KR" sz="2000" dirty="0"/>
-          </a:p>
-          <a:p>
-            <a:r>
-              <a:rPr lang="ko-KR" altLang="en-US" sz="2000" dirty="0"/>
-              <a:t>일반적인 컴퓨팅 환경에서 구현된 </a:t>
+            <a:pPr>
+              <a:lnSpc>
+                <a:spcPct val="150000"/>
+              </a:lnSpc>
+            </a:pPr>
+            <a:r>
+              <a:rPr lang="ko-KR" altLang="en-US" sz="2000" dirty="0" smtClean="0"/>
+              <a:t>범용 시스템에서 </a:t>
+            </a:r>
+            <a:r>
+              <a:rPr lang="ko-KR" altLang="en-US" sz="2000" dirty="0" smtClean="0"/>
+              <a:t>구현된 </a:t>
             </a:r>
             <a:r>
               <a:rPr lang="ko-KR" altLang="en-US" sz="2000" dirty="0" err="1"/>
@@ -5668,30 +5758,83 @@
             </a:r>
             <a:r>
               <a:rPr lang="ko-KR" altLang="en-US" sz="2000" dirty="0"/>
-              <a:t> 모델을 임베디드 시스템에 그대로 올리기에는 제약이 있음</a:t>
-            </a:r>
-            <a:endParaRPr lang="en-US" altLang="ko-KR" sz="2000" dirty="0"/>
-          </a:p>
-          <a:p>
-            <a:pPr lvl="1"/>
+              <a:t> </a:t>
+            </a:r>
+            <a:r>
+              <a:rPr lang="ko-KR" altLang="en-US" sz="2000" dirty="0" smtClean="0"/>
+              <a:t>모델을 </a:t>
+            </a:r>
+            <a:r>
+              <a:rPr lang="en-US" altLang="ko-KR" sz="2000" dirty="0" smtClean="0"/>
+              <a:t/>
+            </a:r>
+            <a:br>
+              <a:rPr lang="en-US" altLang="ko-KR" sz="2000" dirty="0" smtClean="0"/>
+            </a:br>
+            <a:r>
+              <a:rPr lang="ko-KR" altLang="en-US" sz="2000" dirty="0" err="1" smtClean="0"/>
+              <a:t>임베디드</a:t>
+            </a:r>
+            <a:r>
+              <a:rPr lang="ko-KR" altLang="en-US" sz="2000" dirty="0" smtClean="0"/>
+              <a:t> </a:t>
+            </a:r>
+            <a:r>
+              <a:rPr lang="ko-KR" altLang="en-US" sz="2000" dirty="0"/>
+              <a:t>시스템에 그대로 </a:t>
+            </a:r>
+            <a:r>
+              <a:rPr lang="ko-KR" altLang="en-US" sz="2000" dirty="0" smtClean="0"/>
+              <a:t>적용하는 것은 제한적임</a:t>
+            </a:r>
+            <a:endParaRPr lang="en-US" altLang="ko-KR" sz="2000" dirty="0" smtClean="0"/>
+          </a:p>
+          <a:p>
+            <a:pPr lvl="1">
+              <a:lnSpc>
+                <a:spcPct val="150000"/>
+              </a:lnSpc>
+            </a:pPr>
+            <a:r>
+              <a:rPr lang="ko-KR" altLang="en-US" sz="1800" dirty="0" smtClean="0"/>
+              <a:t>저전력</a:t>
+            </a:r>
+            <a:endParaRPr lang="en-US" altLang="ko-KR" sz="1800" dirty="0" smtClean="0"/>
+          </a:p>
+          <a:p>
+            <a:pPr lvl="1">
+              <a:lnSpc>
+                <a:spcPct val="150000"/>
+              </a:lnSpc>
+            </a:pPr>
+            <a:r>
+              <a:rPr lang="ko-KR" altLang="en-US" sz="1800" dirty="0" smtClean="0"/>
+              <a:t>컴퓨팅 </a:t>
+            </a:r>
             <a:r>
               <a:rPr lang="ko-KR" altLang="en-US" sz="1800" dirty="0"/>
-              <a:t>저전력 문제</a:t>
+              <a:t>파워 </a:t>
+            </a:r>
+            <a:endParaRPr lang="en-US" altLang="ko-KR" sz="1800" dirty="0" smtClean="0"/>
+          </a:p>
+          <a:p>
+            <a:pPr lvl="1">
+              <a:lnSpc>
+                <a:spcPct val="150000"/>
+              </a:lnSpc>
+            </a:pPr>
+            <a:r>
+              <a:rPr lang="ko-KR" altLang="en-US" sz="1800" dirty="0" smtClean="0"/>
+              <a:t>메모리 제한</a:t>
             </a:r>
             <a:endParaRPr lang="en-US" altLang="ko-KR" sz="1800" dirty="0"/>
           </a:p>
           <a:p>
-            <a:pPr lvl="1"/>
-            <a:r>
-              <a:rPr lang="ko-KR" altLang="en-US" sz="1800" dirty="0"/>
-              <a:t>컴퓨팅 파워 문제</a:t>
-            </a:r>
-            <a:endParaRPr lang="en-US" altLang="ko-KR" sz="1800" dirty="0"/>
-          </a:p>
-          <a:p>
-            <a:endParaRPr lang="en-US" altLang="ko-KR" sz="2000" dirty="0"/>
-          </a:p>
-          <a:p>
+            <a:pPr>
+              <a:lnSpc>
+                <a:spcPct val="150000"/>
+              </a:lnSpc>
+            </a:pPr>
             <a:r>
               <a:rPr lang="ko-KR" altLang="en-US" sz="2000" dirty="0"/>
               <a:t>임베디드 시스템의 특성에 맞는 </a:t>
@@ -5742,6 +5885,13 @@
   <p:clrMapOvr>
     <a:masterClrMapping/>
   </p:clrMapOvr>
+  <p:timing>
+    <p:tnLst>
+      <p:par>
+        <p:cTn id="1" dur="indefinite" restart="never" nodeType="tmRoot"/>
+      </p:par>
+    </p:tnLst>
+  </p:timing>
 </p:sld>
 </file>
 
@@ -5828,7 +5978,15 @@
           <a:p>
             <a:r>
               <a:rPr lang="ko-KR" altLang="en-US" sz="2000" dirty="0"/>
-              <a:t>현재 전력상황에 맞게 </a:t>
+              <a:t>현재 </a:t>
+            </a:r>
+            <a:r>
+              <a:rPr lang="ko-KR" altLang="en-US" sz="2000" dirty="0" smtClean="0"/>
+              <a:t>전력상황에 </a:t>
+            </a:r>
+            <a:r>
+              <a:rPr lang="ko-KR" altLang="en-US" sz="2000" dirty="0"/>
+              <a:t>맞게 </a:t>
             </a:r>
             <a:r>
               <a:rPr lang="ko-KR" altLang="en-US" sz="2000" dirty="0" err="1"/>
@@ -5912,7 +6070,7 @@
           <p:cNvPr id="6" name="그림 5">
             <a:extLst>
               <a:ext uri="{FF2B5EF4-FFF2-40B4-BE49-F238E27FC236}">
-                <a16:creationId xmlns:a16="http://schemas.microsoft.com/office/drawing/2014/main" id="{90080907-C2D0-44F9-9B2B-7BDEA1FD53AD}"/>
+                <a16:creationId xmlns:a16="http://schemas.microsoft.com/office/drawing/2014/main" xmlns="" id="{90080907-C2D0-44F9-9B2B-7BDEA1FD53AD}"/>
               </a:ext>
             </a:extLst>
           </p:cNvPr>
@@ -5942,7 +6100,7 @@
           <p:cNvPr id="7" name="그림 6">
             <a:extLst>
               <a:ext uri="{FF2B5EF4-FFF2-40B4-BE49-F238E27FC236}">
-                <a16:creationId xmlns:a16="http://schemas.microsoft.com/office/drawing/2014/main" id="{0DD124EE-6FD0-4713-8C2D-0AC03E8F3783}"/>
+                <a16:creationId xmlns:a16="http://schemas.microsoft.com/office/drawing/2014/main" xmlns="" id="{0DD124EE-6FD0-4713-8C2D-0AC03E8F3783}"/>
               </a:ext>
             </a:extLst>
           </p:cNvPr>
@@ -5972,7 +6130,7 @@
           <p:cNvPr id="16" name="그룹 15">
             <a:extLst>
               <a:ext uri="{FF2B5EF4-FFF2-40B4-BE49-F238E27FC236}">
-                <a16:creationId xmlns:a16="http://schemas.microsoft.com/office/drawing/2014/main" id="{2D23B537-8D89-4C6A-A5B0-C7170D3C194A}"/>
+                <a16:creationId xmlns:a16="http://schemas.microsoft.com/office/drawing/2014/main" xmlns="" id="{2D23B537-8D89-4C6A-A5B0-C7170D3C194A}"/>
               </a:ext>
             </a:extLst>
           </p:cNvPr>
@@ -5992,7 +6150,7 @@
             <p:cNvPr id="8" name="그림 7">
               <a:extLst>
                 <a:ext uri="{FF2B5EF4-FFF2-40B4-BE49-F238E27FC236}">
-                  <a16:creationId xmlns:a16="http://schemas.microsoft.com/office/drawing/2014/main" id="{45CD35D5-4F8B-4D72-856F-7A673F06C0E6}"/>
+                  <a16:creationId xmlns:a16="http://schemas.microsoft.com/office/drawing/2014/main" xmlns="" id="{45CD35D5-4F8B-4D72-856F-7A673F06C0E6}"/>
                 </a:ext>
               </a:extLst>
             </p:cNvPr>
@@ -6022,7 +6180,7 @@
             <p:cNvPr id="10" name="타원 9">
               <a:extLst>
                 <a:ext uri="{FF2B5EF4-FFF2-40B4-BE49-F238E27FC236}">
-                  <a16:creationId xmlns:a16="http://schemas.microsoft.com/office/drawing/2014/main" id="{167C6E48-8AA0-477E-AE04-B035BA670038}"/>
+                  <a16:creationId xmlns:a16="http://schemas.microsoft.com/office/drawing/2014/main" xmlns="" id="{167C6E48-8AA0-477E-AE04-B035BA670038}"/>
                 </a:ext>
               </a:extLst>
             </p:cNvPr>
@@ -6075,7 +6233,7 @@
           <p:cNvPr id="17" name="그룹 16">
             <a:extLst>
               <a:ext uri="{FF2B5EF4-FFF2-40B4-BE49-F238E27FC236}">
-                <a16:creationId xmlns:a16="http://schemas.microsoft.com/office/drawing/2014/main" id="{52EAB124-DC8E-4922-8C88-810987141A79}"/>
+                <a16:creationId xmlns:a16="http://schemas.microsoft.com/office/drawing/2014/main" xmlns="" id="{52EAB124-DC8E-4922-8C88-810987141A79}"/>
               </a:ext>
             </a:extLst>
           </p:cNvPr>
@@ -6095,7 +6253,7 @@
             <p:cNvPr id="9" name="그림 8">
               <a:extLst>
                 <a:ext uri="{FF2B5EF4-FFF2-40B4-BE49-F238E27FC236}">
-                  <a16:creationId xmlns:a16="http://schemas.microsoft.com/office/drawing/2014/main" id="{01215073-4BE5-4FE7-8DEE-48982DAB61BE}"/>
+                  <a16:creationId xmlns:a16="http://schemas.microsoft.com/office/drawing/2014/main" xmlns="" id="{01215073-4BE5-4FE7-8DEE-48982DAB61BE}"/>
                 </a:ext>
               </a:extLst>
             </p:cNvPr>
@@ -6125,7 +6283,7 @@
             <p:cNvPr id="11" name="타원 10">
               <a:extLst>
                 <a:ext uri="{FF2B5EF4-FFF2-40B4-BE49-F238E27FC236}">
-                  <a16:creationId xmlns:a16="http://schemas.microsoft.com/office/drawing/2014/main" id="{198CF589-9B2B-460E-BF6B-705032A52FBF}"/>
+                  <a16:creationId xmlns:a16="http://schemas.microsoft.com/office/drawing/2014/main" xmlns="" id="{198CF589-9B2B-460E-BF6B-705032A52FBF}"/>
                 </a:ext>
               </a:extLst>
             </p:cNvPr>
@@ -6178,7 +6336,7 @@
           <p:cNvPr id="15" name="그림 14">
             <a:extLst>
               <a:ext uri="{FF2B5EF4-FFF2-40B4-BE49-F238E27FC236}">
-                <a16:creationId xmlns:a16="http://schemas.microsoft.com/office/drawing/2014/main" id="{98983BF3-B5E9-4FF4-BFB0-FCA8BCCDFEC4}"/>
+                <a16:creationId xmlns:a16="http://schemas.microsoft.com/office/drawing/2014/main" xmlns="" id="{98983BF3-B5E9-4FF4-BFB0-FCA8BCCDFEC4}"/>
               </a:ext>
             </a:extLst>
           </p:cNvPr>
@@ -6203,6 +6361,79 @@
           </a:prstGeom>
         </p:spPr>
       </p:pic>
+      <p:sp>
+        <p:nvSpPr>
+          <p:cNvPr id="12" name="TextBox 11"/>
+          <p:cNvSpPr txBox="1"/>
+          <p:nvPr/>
+        </p:nvSpPr>
+        <p:spPr>
+          <a:xfrm>
+            <a:off x="1403648" y="4423658"/>
+            <a:ext cx="694904" cy="646331"/>
+          </a:xfrm>
+          <a:prstGeom prst="rect">
+            <a:avLst/>
+          </a:prstGeom>
+          <a:noFill/>
+        </p:spPr>
+        <p:txBody>
+          <a:bodyPr wrap="square" rtlCol="0">
+            <a:spAutoFit/>
+          </a:bodyPr>
+          <a:lstStyle/>
+          <a:p>
+            <a:r>
+              <a:rPr lang="en-US" altLang="ko-KR" dirty="0" smtClean="0"/>
+              <a:t>Acc.</a:t>
+            </a:r>
+            <a:br>
+              <a:rPr lang="en-US" altLang="ko-KR" dirty="0" smtClean="0"/>
+            </a:br>
+            <a:r>
+              <a:rPr lang="en-US" altLang="ko-KR" dirty="0" smtClean="0"/>
+              <a:t>98%</a:t>
+            </a:r>
+            <a:endParaRPr lang="ko-KR" altLang="en-US" dirty="0"/>
+          </a:p>
+        </p:txBody>
+      </p:sp>
+      <p:sp>
+        <p:nvSpPr>
+          <p:cNvPr id="18" name="TextBox 17"/>
+          <p:cNvSpPr txBox="1"/>
+          <p:nvPr/>
+        </p:nvSpPr>
+        <p:spPr>
+          <a:xfrm>
+            <a:off x="7329661" y="4423658"/>
+            <a:ext cx="658900" cy="646331"/>
+          </a:xfrm>
+          <a:prstGeom prst="rect">
+            <a:avLst/>
+          </a:prstGeom>
+          <a:noFill/>
+        </p:spPr>
+        <p:txBody>
+          <a:bodyPr wrap="square" rtlCol="0">
+            <a:spAutoFit/>
+          </a:bodyPr>
+          <a:lstStyle/>
+          <a:p>
+            <a:r>
+              <a:rPr lang="en-US" altLang="ko-KR" dirty="0" smtClean="0"/>
+              <a:t>Acc.</a:t>
+            </a:r>
+          </a:p>
+          <a:p>
+            <a:r>
+              <a:rPr lang="en-US" altLang="ko-KR" dirty="0" smtClean="0"/>
+              <a:t>89%</a:t>
+            </a:r>
+            <a:endParaRPr lang="ko-KR" altLang="en-US" dirty="0"/>
+          </a:p>
+        </p:txBody>
+      </p:sp>
     </p:spTree>
     <p:extLst>
       <p:ext uri="{BB962C8B-B14F-4D97-AF65-F5344CB8AC3E}">
@@ -6213,6 +6444,13 @@
   <p:clrMapOvr>
     <a:masterClrMapping/>
   </p:clrMapOvr>
+  <p:timing>
+    <p:tnLst>
+      <p:par>
+        <p:cTn id="1" dur="indefinite" restart="never" nodeType="tmRoot"/>
+      </p:par>
+    </p:tnLst>
+  </p:timing>
 </p:sld>
 </file>
 
@@ -6313,8 +6551,25 @@
             </a:r>
             <a:r>
               <a:rPr lang="en-US" altLang="ko-KR" sz="1800" dirty="0"/>
-              <a:t> xu-3 / NVIDIA Jetson</a:t>
-            </a:r>
+              <a:t> </a:t>
+            </a:r>
+            <a:r>
+              <a:rPr lang="en-US" altLang="ko-KR" sz="1800" dirty="0" smtClean="0"/>
+              <a:t>XU</a:t>
+            </a:r>
+            <a:r>
+              <a:rPr lang="en-US" altLang="ko-KR" sz="1800" dirty="0" smtClean="0"/>
+              <a:t>3 </a:t>
+            </a:r>
+            <a:r>
+              <a:rPr lang="en-US" altLang="ko-KR" sz="1800" dirty="0"/>
+              <a:t>/ NVIDIA </a:t>
+            </a:r>
+            <a:r>
+              <a:rPr lang="en-US" altLang="ko-KR" sz="1800" dirty="0" smtClean="0"/>
+              <a:t>Jetson</a:t>
+            </a:r>
+            <a:endParaRPr lang="en-US" altLang="ko-KR" sz="1800" dirty="0"/>
           </a:p>
           <a:p>
             <a:endParaRPr lang="en-US" altLang="ko-KR" sz="2000" dirty="0"/>
@@ -6360,8 +6615,24 @@
           <a:p>
             <a:pPr lvl="1"/>
             <a:r>
+              <a:rPr lang="ko-KR" altLang="en-US" sz="1800" dirty="0" smtClean="0"/>
+              <a:t>같은 기능에 대해 성능과 </a:t>
+            </a:r>
+            <a:r>
+              <a:rPr lang="en-US" altLang="ko-KR" sz="1800" dirty="0" smtClean="0"/>
+              <a:t>Network </a:t>
+            </a:r>
+            <a:r>
+              <a:rPr lang="ko-KR" altLang="en-US" sz="1800" dirty="0" smtClean="0"/>
+              <a:t>규모가 다른 두 </a:t>
+            </a:r>
+            <a:r>
+              <a:rPr lang="ko-KR" altLang="en-US" sz="1800" dirty="0" smtClean="0"/>
+              <a:t>모델을 </a:t>
+            </a:r>
+            <a:r>
               <a:rPr lang="ko-KR" altLang="en-US" sz="1800" dirty="0"/>
-              <a:t>구조상 유사하면서 성능상에서 차이를 보이는 두 모델을 선택</a:t>
+              <a:t>선택</a:t>
             </a:r>
             <a:endParaRPr lang="en-US" altLang="ko-KR" sz="1800" dirty="0"/>
           </a:p>
@@ -6396,7 +6667,7 @@
           <p:cNvPr id="1026" name="Picture 2" descr="odroid-xu3.jpg">
             <a:extLst>
               <a:ext uri="{FF2B5EF4-FFF2-40B4-BE49-F238E27FC236}">
-                <a16:creationId xmlns:a16="http://schemas.microsoft.com/office/drawing/2014/main" id="{707927C2-1E3F-440A-93C3-D47269DB6659}"/>
+                <a16:creationId xmlns:a16="http://schemas.microsoft.com/office/drawing/2014/main" xmlns="" id="{707927C2-1E3F-440A-93C3-D47269DB6659}"/>
               </a:ext>
             </a:extLst>
           </p:cNvPr>
@@ -6443,7 +6714,7 @@
           <p:cNvPr id="1028" name="Picture 4" descr="Jetson TK1 Development Kit">
             <a:extLst>
               <a:ext uri="{FF2B5EF4-FFF2-40B4-BE49-F238E27FC236}">
-                <a16:creationId xmlns:a16="http://schemas.microsoft.com/office/drawing/2014/main" id="{679705A2-4EE7-4578-BAA7-6730474083B2}"/>
+                <a16:creationId xmlns:a16="http://schemas.microsoft.com/office/drawing/2014/main" xmlns="" id="{679705A2-4EE7-4578-BAA7-6730474083B2}"/>
               </a:ext>
             </a:extLst>
           </p:cNvPr>
@@ -6490,7 +6761,7 @@
           <p:cNvPr id="1034" name="Picture 10" descr="https://www.add-for.com/wp-content/uploads/2016/11/frameworks.jpg">
             <a:extLst>
               <a:ext uri="{FF2B5EF4-FFF2-40B4-BE49-F238E27FC236}">
-                <a16:creationId xmlns:a16="http://schemas.microsoft.com/office/drawing/2014/main" id="{D9291C41-2FEE-462B-A28F-356B35F84216}"/>
+                <a16:creationId xmlns:a16="http://schemas.microsoft.com/office/drawing/2014/main" xmlns="" id="{D9291C41-2FEE-462B-A28F-356B35F84216}"/>
               </a:ext>
             </a:extLst>
           </p:cNvPr>
@@ -6537,7 +6808,7 @@
           <p:cNvPr id="7" name="직선 연결선 6">
             <a:extLst>
               <a:ext uri="{FF2B5EF4-FFF2-40B4-BE49-F238E27FC236}">
-                <a16:creationId xmlns:a16="http://schemas.microsoft.com/office/drawing/2014/main" id="{1C66F0F2-CBE2-4FE6-971D-5E06F28C8BD8}"/>
+                <a16:creationId xmlns:a16="http://schemas.microsoft.com/office/drawing/2014/main" xmlns="" id="{1C66F0F2-CBE2-4FE6-971D-5E06F28C8BD8}"/>
               </a:ext>
             </a:extLst>
           </p:cNvPr>
@@ -6580,7 +6851,7 @@
           <p:cNvPr id="21" name="직선 연결선 20">
             <a:extLst>
               <a:ext uri="{FF2B5EF4-FFF2-40B4-BE49-F238E27FC236}">
-                <a16:creationId xmlns:a16="http://schemas.microsoft.com/office/drawing/2014/main" id="{6B569B36-D65C-4443-B6B2-DAE3936AACA9}"/>
+                <a16:creationId xmlns:a16="http://schemas.microsoft.com/office/drawing/2014/main" xmlns="" id="{6B569B36-D65C-4443-B6B2-DAE3936AACA9}"/>
               </a:ext>
             </a:extLst>
           </p:cNvPr>
@@ -6628,6 +6899,13 @@
   <p:clrMapOvr>
     <a:masterClrMapping/>
   </p:clrMapOvr>
+  <p:timing>
+    <p:tnLst>
+      <p:par>
+        <p:cTn id="1" dur="indefinite" restart="never" nodeType="tmRoot"/>
+      </p:par>
+    </p:tnLst>
+  </p:timing>
 </p:sld>
 </file>
 
@@ -6707,97 +6985,120 @@
           </a:bodyPr>
           <a:lstStyle/>
           <a:p>
-            <a:r>
-              <a:rPr lang="en-US" altLang="ko-KR" sz="2000" dirty="0"/>
-              <a:t>1. </a:t>
-            </a:r>
-            <a:r>
-              <a:rPr lang="ko-KR" altLang="en-US" sz="2000" dirty="0"/>
-              <a:t>영상처리와 같은 분야에서 사용되는 </a:t>
-            </a:r>
-            <a:r>
-              <a:rPr lang="ko-KR" altLang="en-US" sz="2000" dirty="0" err="1"/>
+            <a:pPr marL="457200" indent="-457200">
+              <a:lnSpc>
+                <a:spcPct val="150000"/>
+              </a:lnSpc>
+              <a:buSzPct val="100000"/>
+              <a:buFont typeface="+mj-lt"/>
+              <a:buAutoNum type="arabicPeriod"/>
+            </a:pPr>
+            <a:r>
+              <a:rPr lang="ko-KR" altLang="en-US" sz="1800" dirty="0" smtClean="0"/>
+              <a:t>영상처리 분야에 적용되는 같은 기능의 여러 </a:t>
+            </a:r>
+            <a:r>
+              <a:rPr lang="ko-KR" altLang="en-US" sz="1800" dirty="0" err="1" smtClean="0"/>
               <a:t>딥러닝</a:t>
             </a:r>
             <a:r>
-              <a:rPr lang="ko-KR" altLang="en-US" sz="2000" dirty="0"/>
-              <a:t> 모델을 임베디드 시스템에 적용</a:t>
-            </a:r>
-            <a:endParaRPr lang="en-US" altLang="ko-KR" sz="2000" dirty="0"/>
-          </a:p>
-          <a:p>
-            <a:pPr lvl="1"/>
+              <a:rPr lang="ko-KR" altLang="en-US" sz="1800" dirty="0" smtClean="0"/>
+              <a:t> 모델 선정</a:t>
+            </a:r>
+            <a:endParaRPr lang="en-US" altLang="ko-KR" sz="1800" dirty="0" smtClean="0"/>
+          </a:p>
+          <a:p>
+            <a:pPr marL="457200" indent="-457200">
+              <a:lnSpc>
+                <a:spcPct val="150000"/>
+              </a:lnSpc>
+              <a:buSzPct val="100000"/>
+              <a:buFont typeface="+mj-lt"/>
+              <a:buAutoNum type="arabicPeriod"/>
+            </a:pPr>
+            <a:r>
+              <a:rPr lang="ko-KR" altLang="en-US" sz="1800" dirty="0" smtClean="0"/>
+              <a:t>각 모델의 성능</a:t>
+            </a:r>
+            <a:r>
+              <a:rPr lang="en-US" altLang="ko-KR" sz="1800" dirty="0" smtClean="0"/>
+              <a:t>(</a:t>
+            </a:r>
+            <a:r>
+              <a:rPr lang="ko-KR" altLang="en-US" sz="1800" dirty="0" smtClean="0"/>
+              <a:t>정확도</a:t>
+            </a:r>
+            <a:r>
+              <a:rPr lang="en-US" altLang="ko-KR" sz="1800" dirty="0" smtClean="0"/>
+              <a:t>),</a:t>
+            </a:r>
             <a:r>
               <a:rPr lang="ko-KR" altLang="en-US" sz="1800" dirty="0"/>
-              <a:t>가능한한 고성능의 모델을 적용</a:t>
+              <a:t> </a:t>
+            </a:r>
+            <a:r>
+              <a:rPr lang="en-US" altLang="ko-KR" sz="1800" dirty="0" smtClean="0"/>
+              <a:t>Network</a:t>
+            </a:r>
+            <a:r>
+              <a:rPr lang="ko-KR" altLang="en-US" sz="1800" dirty="0" smtClean="0"/>
+              <a:t> 규모</a:t>
+            </a:r>
+            <a:r>
+              <a:rPr lang="en-US" altLang="ko-KR" sz="1800" dirty="0" smtClean="0"/>
+              <a:t>(</a:t>
+            </a:r>
+            <a:r>
+              <a:rPr lang="ko-KR" altLang="en-US" sz="1800" dirty="0" smtClean="0"/>
+              <a:t>메모리</a:t>
+            </a:r>
+            <a:r>
+              <a:rPr lang="en-US" altLang="ko-KR" sz="1800" dirty="0" smtClean="0"/>
+              <a:t>), end-to-end</a:t>
+            </a:r>
+            <a:r>
+              <a:rPr lang="ko-KR" altLang="en-US" sz="1800" dirty="0" smtClean="0"/>
+              <a:t> 소모전력 분석</a:t>
+            </a:r>
+            <a:endParaRPr lang="en-US" altLang="ko-KR" sz="1800" dirty="0" smtClean="0"/>
+          </a:p>
+          <a:p>
+            <a:pPr marL="457200" indent="-457200">
+              <a:lnSpc>
+                <a:spcPct val="150000"/>
+              </a:lnSpc>
+              <a:buSzPct val="100000"/>
+              <a:buFont typeface="+mj-lt"/>
+              <a:buAutoNum type="arabicPeriod"/>
+            </a:pPr>
+            <a:r>
+              <a:rPr lang="ko-KR" altLang="en-US" sz="1800" dirty="0" smtClean="0"/>
+              <a:t>실시간 시스템 상태 분석 방법 및 </a:t>
+            </a:r>
+            <a:r>
+              <a:rPr lang="en-US" altLang="ko-KR" sz="1800" dirty="0" smtClean="0"/>
+              <a:t>Manager </a:t>
+            </a:r>
+            <a:r>
+              <a:rPr lang="ko-KR" altLang="en-US" sz="1800" dirty="0" smtClean="0"/>
+              <a:t>개발</a:t>
+            </a:r>
+            <a:endParaRPr lang="en-US" altLang="ko-KR" sz="1800" dirty="0" smtClean="0"/>
+          </a:p>
+          <a:p>
+            <a:pPr marL="457200" indent="-457200">
+              <a:lnSpc>
+                <a:spcPct val="150000"/>
+              </a:lnSpc>
+              <a:buSzPct val="100000"/>
+              <a:buFont typeface="+mj-lt"/>
+              <a:buAutoNum type="arabicPeriod"/>
+            </a:pPr>
+            <a:r>
+              <a:rPr lang="ko-KR" altLang="en-US" sz="1800" dirty="0" smtClean="0"/>
+              <a:t>전체 프레임워크 구성 </a:t>
             </a:r>
             <a:endParaRPr lang="en-US" altLang="ko-KR" sz="1800" dirty="0"/>
-          </a:p>
-          <a:p>
-            <a:endParaRPr lang="en-US" altLang="ko-KR" sz="2000" dirty="0"/>
-          </a:p>
-          <a:p>
-            <a:r>
-              <a:rPr lang="en-US" altLang="ko-KR" sz="2000" dirty="0"/>
-              <a:t>2. </a:t>
-            </a:r>
-            <a:r>
-              <a:rPr lang="ko-KR" altLang="en-US" sz="2000" dirty="0"/>
-              <a:t>현재 전력 소모량 </a:t>
-            </a:r>
-            <a:r>
-              <a:rPr lang="en-US" altLang="ko-KR" sz="2000" dirty="0"/>
-              <a:t>&amp; </a:t>
-            </a:r>
-            <a:r>
-              <a:rPr lang="ko-KR" altLang="en-US" sz="2000" dirty="0"/>
-              <a:t>배터리 잔량 등을 실시간으로 모니터링하여 전력 수급에 문제가 있는 상태인지 판단</a:t>
-            </a:r>
-            <a:endParaRPr lang="en-US" altLang="ko-KR" sz="2000" dirty="0"/>
-          </a:p>
-          <a:p>
-            <a:endParaRPr lang="en-US" altLang="ko-KR" sz="2000" dirty="0"/>
-          </a:p>
-          <a:p>
-            <a:r>
-              <a:rPr lang="en-US" altLang="ko-KR" sz="2000" dirty="0"/>
-              <a:t>3. </a:t>
-            </a:r>
-            <a:r>
-              <a:rPr lang="ko-KR" altLang="en-US" sz="2000" dirty="0"/>
-              <a:t>기존에 동작하고 있던 모델 대신 다른 </a:t>
-            </a:r>
-            <a:r>
-              <a:rPr lang="ko-KR" altLang="en-US" sz="2000" dirty="0" err="1"/>
-              <a:t>저성능의</a:t>
-            </a:r>
-            <a:r>
-              <a:rPr lang="ko-KR" altLang="en-US" sz="2000" dirty="0"/>
-              <a:t> 모델로 교체하여 동작</a:t>
-            </a:r>
-            <a:endParaRPr lang="en-US" altLang="ko-KR" sz="2000" dirty="0"/>
-          </a:p>
-          <a:p>
-            <a:endParaRPr lang="en-US" altLang="ko-KR" sz="2000" dirty="0"/>
-          </a:p>
-          <a:p>
-            <a:r>
-              <a:rPr lang="en-US" altLang="ko-KR" sz="2000" dirty="0"/>
-              <a:t>4. </a:t>
-            </a:r>
-            <a:r>
-              <a:rPr lang="ko-KR" altLang="en-US" sz="2000" dirty="0"/>
-              <a:t>교체 후 전력 소모량과 교체로 인한 </a:t>
-            </a:r>
-            <a:r>
-              <a:rPr lang="en-US" altLang="ko-KR" sz="2000" dirty="0"/>
-              <a:t>Accuracy</a:t>
-            </a:r>
-            <a:r>
-              <a:rPr lang="ko-KR" altLang="en-US" sz="2000" dirty="0"/>
-              <a:t>의 변화를 모니터링</a:t>
-            </a:r>
-            <a:endParaRPr lang="en-US" altLang="ko-KR" sz="2000" dirty="0"/>
           </a:p>
         </p:txBody>
       </p:sp>
@@ -6825,6 +7126,537 @@
           </a:p>
         </p:txBody>
       </p:sp>
+      <p:pic>
+        <p:nvPicPr>
+          <p:cNvPr id="6" name="그림 5">
+            <a:extLst>
+              <a:ext uri="{FF2B5EF4-FFF2-40B4-BE49-F238E27FC236}">
+                <a16:creationId xmlns:a16="http://schemas.microsoft.com/office/drawing/2014/main" xmlns="" id="{90080907-C2D0-44F9-9B2B-7BDEA1FD53AD}"/>
+              </a:ext>
+            </a:extLst>
+          </p:cNvPr>
+          <p:cNvPicPr>
+            <a:picLocks noChangeAspect="1"/>
+          </p:cNvPicPr>
+          <p:nvPr/>
+        </p:nvPicPr>
+        <p:blipFill>
+          <a:blip r:embed="rId2"/>
+          <a:stretch>
+            <a:fillRect/>
+          </a:stretch>
+        </p:blipFill>
+        <p:spPr>
+          <a:xfrm>
+            <a:off x="3986940" y="5083292"/>
+            <a:ext cx="1206893" cy="583105"/>
+          </a:xfrm>
+          <a:prstGeom prst="rect">
+            <a:avLst/>
+          </a:prstGeom>
+        </p:spPr>
+      </p:pic>
+      <p:pic>
+        <p:nvPicPr>
+          <p:cNvPr id="7" name="그림 6">
+            <a:extLst>
+              <a:ext uri="{FF2B5EF4-FFF2-40B4-BE49-F238E27FC236}">
+                <a16:creationId xmlns:a16="http://schemas.microsoft.com/office/drawing/2014/main" xmlns="" id="{0DD124EE-6FD0-4713-8C2D-0AC03E8F3783}"/>
+              </a:ext>
+            </a:extLst>
+          </p:cNvPr>
+          <p:cNvPicPr>
+            <a:picLocks noChangeAspect="1"/>
+          </p:cNvPicPr>
+          <p:nvPr/>
+        </p:nvPicPr>
+        <p:blipFill>
+          <a:blip r:embed="rId3"/>
+          <a:stretch>
+            <a:fillRect/>
+          </a:stretch>
+        </p:blipFill>
+        <p:spPr>
+          <a:xfrm>
+            <a:off x="3986940" y="3288753"/>
+            <a:ext cx="1170120" cy="586796"/>
+          </a:xfrm>
+          <a:prstGeom prst="rect">
+            <a:avLst/>
+          </a:prstGeom>
+        </p:spPr>
+      </p:pic>
+      <p:grpSp>
+        <p:nvGrpSpPr>
+          <p:cNvPr id="8" name="그룹 7">
+            <a:extLst>
+              <a:ext uri="{FF2B5EF4-FFF2-40B4-BE49-F238E27FC236}">
+                <a16:creationId xmlns:a16="http://schemas.microsoft.com/office/drawing/2014/main" xmlns="" id="{2D23B537-8D89-4C6A-A5B0-C7170D3C194A}"/>
+              </a:ext>
+            </a:extLst>
+          </p:cNvPr>
+          <p:cNvGrpSpPr/>
+          <p:nvPr/>
+        </p:nvGrpSpPr>
+        <p:grpSpPr>
+          <a:xfrm>
+            <a:off x="6433308" y="2886844"/>
+            <a:ext cx="1368152" cy="1368152"/>
+            <a:chOff x="2019427" y="4149080"/>
+            <a:chExt cx="1758439" cy="1758439"/>
+          </a:xfrm>
+        </p:grpSpPr>
+        <p:pic>
+          <p:nvPicPr>
+            <p:cNvPr id="9" name="그림 8">
+              <a:extLst>
+                <a:ext uri="{FF2B5EF4-FFF2-40B4-BE49-F238E27FC236}">
+                  <a16:creationId xmlns:a16="http://schemas.microsoft.com/office/drawing/2014/main" xmlns="" id="{45CD35D5-4F8B-4D72-856F-7A673F06C0E6}"/>
+                </a:ext>
+              </a:extLst>
+            </p:cNvPr>
+            <p:cNvPicPr>
+              <a:picLocks noChangeAspect="1"/>
+            </p:cNvPicPr>
+            <p:nvPr/>
+          </p:nvPicPr>
+          <p:blipFill>
+            <a:blip r:embed="rId4"/>
+            <a:stretch>
+              <a:fillRect/>
+            </a:stretch>
+          </p:blipFill>
+          <p:spPr>
+            <a:xfrm>
+              <a:off x="2019427" y="4243597"/>
+              <a:ext cx="1758439" cy="1552907"/>
+            </a:xfrm>
+            <a:prstGeom prst="rect">
+              <a:avLst/>
+            </a:prstGeom>
+          </p:spPr>
+        </p:pic>
+        <p:sp>
+          <p:nvSpPr>
+            <p:cNvPr id="10" name="타원 9">
+              <a:extLst>
+                <a:ext uri="{FF2B5EF4-FFF2-40B4-BE49-F238E27FC236}">
+                  <a16:creationId xmlns:a16="http://schemas.microsoft.com/office/drawing/2014/main" xmlns="" id="{167C6E48-8AA0-477E-AE04-B035BA670038}"/>
+                </a:ext>
+              </a:extLst>
+            </p:cNvPr>
+            <p:cNvSpPr/>
+            <p:nvPr/>
+          </p:nvSpPr>
+          <p:spPr>
+            <a:xfrm>
+              <a:off x="2019427" y="4149080"/>
+              <a:ext cx="1758439" cy="1758439"/>
+            </a:xfrm>
+            <a:prstGeom prst="ellipse">
+              <a:avLst/>
+            </a:prstGeom>
+            <a:noFill/>
+            <a:ln w="57150">
+              <a:solidFill>
+                <a:schemeClr val="tx1"/>
+              </a:solidFill>
+            </a:ln>
+          </p:spPr>
+          <p:style>
+            <a:lnRef idx="2">
+              <a:schemeClr val="accent1">
+                <a:shade val="50000"/>
+              </a:schemeClr>
+            </a:lnRef>
+            <a:fillRef idx="1">
+              <a:schemeClr val="accent1"/>
+            </a:fillRef>
+            <a:effectRef idx="0">
+              <a:schemeClr val="accent1"/>
+            </a:effectRef>
+            <a:fontRef idx="minor">
+              <a:schemeClr val="lt1"/>
+            </a:fontRef>
+          </p:style>
+          <p:txBody>
+            <a:bodyPr rtlCol="0" anchor="ctr"/>
+            <a:lstStyle/>
+            <a:p>
+              <a:pPr algn="ctr"/>
+              <a:endParaRPr lang="ko-KR" altLang="en-US"/>
+            </a:p>
+          </p:txBody>
+        </p:sp>
+      </p:grpSp>
+      <p:grpSp>
+        <p:nvGrpSpPr>
+          <p:cNvPr id="11" name="그룹 10">
+            <a:extLst>
+              <a:ext uri="{FF2B5EF4-FFF2-40B4-BE49-F238E27FC236}">
+                <a16:creationId xmlns:a16="http://schemas.microsoft.com/office/drawing/2014/main" xmlns="" id="{52EAB124-DC8E-4922-8C88-810987141A79}"/>
+              </a:ext>
+            </a:extLst>
+          </p:cNvPr>
+          <p:cNvGrpSpPr/>
+          <p:nvPr/>
+        </p:nvGrpSpPr>
+        <p:grpSpPr>
+          <a:xfrm>
+            <a:off x="6433308" y="4689140"/>
+            <a:ext cx="1368152" cy="1368152"/>
+            <a:chOff x="5466972" y="4149080"/>
+            <a:chExt cx="1758439" cy="1758439"/>
+          </a:xfrm>
+        </p:grpSpPr>
+        <p:pic>
+          <p:nvPicPr>
+            <p:cNvPr id="12" name="그림 11">
+              <a:extLst>
+                <a:ext uri="{FF2B5EF4-FFF2-40B4-BE49-F238E27FC236}">
+                  <a16:creationId xmlns:a16="http://schemas.microsoft.com/office/drawing/2014/main" xmlns="" id="{01215073-4BE5-4FE7-8DEE-48982DAB61BE}"/>
+                </a:ext>
+              </a:extLst>
+            </p:cNvPr>
+            <p:cNvPicPr>
+              <a:picLocks noChangeAspect="1"/>
+            </p:cNvPicPr>
+            <p:nvPr/>
+          </p:nvPicPr>
+          <p:blipFill>
+            <a:blip r:embed="rId5"/>
+            <a:stretch>
+              <a:fillRect/>
+            </a:stretch>
+          </p:blipFill>
+          <p:spPr>
+            <a:xfrm>
+              <a:off x="5562058" y="4235917"/>
+              <a:ext cx="1568269" cy="1568269"/>
+            </a:xfrm>
+            <a:prstGeom prst="rect">
+              <a:avLst/>
+            </a:prstGeom>
+          </p:spPr>
+        </p:pic>
+        <p:sp>
+          <p:nvSpPr>
+            <p:cNvPr id="13" name="타원 12">
+              <a:extLst>
+                <a:ext uri="{FF2B5EF4-FFF2-40B4-BE49-F238E27FC236}">
+                  <a16:creationId xmlns:a16="http://schemas.microsoft.com/office/drawing/2014/main" xmlns="" id="{198CF589-9B2B-460E-BF6B-705032A52FBF}"/>
+                </a:ext>
+              </a:extLst>
+            </p:cNvPr>
+            <p:cNvSpPr/>
+            <p:nvPr/>
+          </p:nvSpPr>
+          <p:spPr>
+            <a:xfrm>
+              <a:off x="5466972" y="4149080"/>
+              <a:ext cx="1758439" cy="1758439"/>
+            </a:xfrm>
+            <a:prstGeom prst="ellipse">
+              <a:avLst/>
+            </a:prstGeom>
+            <a:noFill/>
+            <a:ln w="57150">
+              <a:solidFill>
+                <a:schemeClr val="tx1"/>
+              </a:solidFill>
+            </a:ln>
+          </p:spPr>
+          <p:style>
+            <a:lnRef idx="2">
+              <a:schemeClr val="accent1">
+                <a:shade val="50000"/>
+              </a:schemeClr>
+            </a:lnRef>
+            <a:fillRef idx="1">
+              <a:schemeClr val="accent1"/>
+            </a:fillRef>
+            <a:effectRef idx="0">
+              <a:schemeClr val="accent1"/>
+            </a:effectRef>
+            <a:fontRef idx="minor">
+              <a:schemeClr val="lt1"/>
+            </a:fontRef>
+          </p:style>
+          <p:txBody>
+            <a:bodyPr rtlCol="0" anchor="ctr"/>
+            <a:lstStyle/>
+            <a:p>
+              <a:pPr algn="ctr"/>
+              <a:endParaRPr lang="ko-KR" altLang="en-US"/>
+            </a:p>
+          </p:txBody>
+        </p:sp>
+      </p:grpSp>
+      <p:pic>
+        <p:nvPicPr>
+          <p:cNvPr id="14" name="그림 13">
+            <a:extLst>
+              <a:ext uri="{FF2B5EF4-FFF2-40B4-BE49-F238E27FC236}">
+                <a16:creationId xmlns:a16="http://schemas.microsoft.com/office/drawing/2014/main" xmlns="" id="{98983BF3-B5E9-4FF4-BFB0-FCA8BCCDFEC4}"/>
+              </a:ext>
+            </a:extLst>
+          </p:cNvPr>
+          <p:cNvPicPr>
+            <a:picLocks noChangeAspect="1"/>
+          </p:cNvPicPr>
+          <p:nvPr/>
+        </p:nvPicPr>
+        <p:blipFill>
+          <a:blip r:embed="rId6"/>
+          <a:stretch>
+            <a:fillRect/>
+          </a:stretch>
+        </p:blipFill>
+        <p:spPr>
+          <a:xfrm>
+            <a:off x="5355149" y="3262218"/>
+            <a:ext cx="922298" cy="718811"/>
+          </a:xfrm>
+          <a:prstGeom prst="rect">
+            <a:avLst/>
+          </a:prstGeom>
+        </p:spPr>
+      </p:pic>
+      <p:sp>
+        <p:nvSpPr>
+          <p:cNvPr id="15" name="TextBox 14"/>
+          <p:cNvSpPr txBox="1"/>
+          <p:nvPr/>
+        </p:nvSpPr>
+        <p:spPr>
+          <a:xfrm>
+            <a:off x="7609869" y="2493948"/>
+            <a:ext cx="694904" cy="646331"/>
+          </a:xfrm>
+          <a:prstGeom prst="rect">
+            <a:avLst/>
+          </a:prstGeom>
+          <a:noFill/>
+        </p:spPr>
+        <p:txBody>
+          <a:bodyPr wrap="square" rtlCol="0">
+            <a:spAutoFit/>
+          </a:bodyPr>
+          <a:lstStyle/>
+          <a:p>
+            <a:r>
+              <a:rPr lang="en-US" altLang="ko-KR" dirty="0" smtClean="0"/>
+              <a:t>Acc.</a:t>
+            </a:r>
+            <a:br>
+              <a:rPr lang="en-US" altLang="ko-KR" dirty="0" smtClean="0"/>
+            </a:br>
+            <a:r>
+              <a:rPr lang="en-US" altLang="ko-KR" dirty="0" smtClean="0"/>
+              <a:t>98%</a:t>
+            </a:r>
+            <a:endParaRPr lang="ko-KR" altLang="en-US" dirty="0"/>
+          </a:p>
+        </p:txBody>
+      </p:sp>
+      <p:sp>
+        <p:nvSpPr>
+          <p:cNvPr id="16" name="TextBox 15"/>
+          <p:cNvSpPr txBox="1"/>
+          <p:nvPr/>
+        </p:nvSpPr>
+        <p:spPr>
+          <a:xfrm>
+            <a:off x="7622070" y="4353138"/>
+            <a:ext cx="658900" cy="646331"/>
+          </a:xfrm>
+          <a:prstGeom prst="rect">
+            <a:avLst/>
+          </a:prstGeom>
+          <a:noFill/>
+        </p:spPr>
+        <p:txBody>
+          <a:bodyPr wrap="square" rtlCol="0">
+            <a:spAutoFit/>
+          </a:bodyPr>
+          <a:lstStyle/>
+          <a:p>
+            <a:r>
+              <a:rPr lang="en-US" altLang="ko-KR" dirty="0" smtClean="0"/>
+              <a:t>Acc.</a:t>
+            </a:r>
+          </a:p>
+          <a:p>
+            <a:r>
+              <a:rPr lang="en-US" altLang="ko-KR" dirty="0" smtClean="0"/>
+              <a:t>89%</a:t>
+            </a:r>
+            <a:endParaRPr lang="ko-KR" altLang="en-US" dirty="0"/>
+          </a:p>
+        </p:txBody>
+      </p:sp>
+      <p:pic>
+        <p:nvPicPr>
+          <p:cNvPr id="17" name="그림 16"/>
+          <p:cNvPicPr>
+            <a:picLocks noChangeAspect="1"/>
+          </p:cNvPicPr>
+          <p:nvPr/>
+        </p:nvPicPr>
+        <p:blipFill>
+          <a:blip r:embed="rId7"/>
+          <a:stretch>
+            <a:fillRect/>
+          </a:stretch>
+        </p:blipFill>
+        <p:spPr>
+          <a:xfrm>
+            <a:off x="1098863" y="3895477"/>
+            <a:ext cx="1799785" cy="1422302"/>
+          </a:xfrm>
+          <a:prstGeom prst="rect">
+            <a:avLst/>
+          </a:prstGeom>
+        </p:spPr>
+      </p:pic>
+      <p:pic>
+        <p:nvPicPr>
+          <p:cNvPr id="18" name="그림 17">
+            <a:extLst>
+              <a:ext uri="{FF2B5EF4-FFF2-40B4-BE49-F238E27FC236}">
+                <a16:creationId xmlns:a16="http://schemas.microsoft.com/office/drawing/2014/main" xmlns="" id="{98983BF3-B5E9-4FF4-BFB0-FCA8BCCDFEC4}"/>
+              </a:ext>
+            </a:extLst>
+          </p:cNvPr>
+          <p:cNvPicPr>
+            <a:picLocks noChangeAspect="1"/>
+          </p:cNvPicPr>
+          <p:nvPr/>
+        </p:nvPicPr>
+        <p:blipFill>
+          <a:blip r:embed="rId6"/>
+          <a:stretch>
+            <a:fillRect/>
+          </a:stretch>
+        </p:blipFill>
+        <p:spPr>
+          <a:xfrm rot="19800000">
+            <a:off x="3079161" y="3536071"/>
+            <a:ext cx="922298" cy="718811"/>
+          </a:xfrm>
+          <a:prstGeom prst="rect">
+            <a:avLst/>
+          </a:prstGeom>
+        </p:spPr>
+      </p:pic>
+      <p:pic>
+        <p:nvPicPr>
+          <p:cNvPr id="19" name="그림 18">
+            <a:extLst>
+              <a:ext uri="{FF2B5EF4-FFF2-40B4-BE49-F238E27FC236}">
+                <a16:creationId xmlns:a16="http://schemas.microsoft.com/office/drawing/2014/main" xmlns="" id="{98983BF3-B5E9-4FF4-BFB0-FCA8BCCDFEC4}"/>
+              </a:ext>
+            </a:extLst>
+          </p:cNvPr>
+          <p:cNvPicPr>
+            <a:picLocks noChangeAspect="1"/>
+          </p:cNvPicPr>
+          <p:nvPr/>
+        </p:nvPicPr>
+        <p:blipFill>
+          <a:blip r:embed="rId6"/>
+          <a:stretch>
+            <a:fillRect/>
+          </a:stretch>
+        </p:blipFill>
+        <p:spPr>
+          <a:xfrm rot="1800000">
+            <a:off x="3079162" y="4819119"/>
+            <a:ext cx="922298" cy="718811"/>
+          </a:xfrm>
+          <a:prstGeom prst="rect">
+            <a:avLst/>
+          </a:prstGeom>
+        </p:spPr>
+      </p:pic>
+      <p:pic>
+        <p:nvPicPr>
+          <p:cNvPr id="20" name="그림 19">
+            <a:extLst>
+              <a:ext uri="{FF2B5EF4-FFF2-40B4-BE49-F238E27FC236}">
+                <a16:creationId xmlns:a16="http://schemas.microsoft.com/office/drawing/2014/main" xmlns="" id="{98983BF3-B5E9-4FF4-BFB0-FCA8BCCDFEC4}"/>
+              </a:ext>
+            </a:extLst>
+          </p:cNvPr>
+          <p:cNvPicPr>
+            <a:picLocks noChangeAspect="1"/>
+          </p:cNvPicPr>
+          <p:nvPr/>
+        </p:nvPicPr>
+        <p:blipFill>
+          <a:blip r:embed="rId6"/>
+          <a:stretch>
+            <a:fillRect/>
+          </a:stretch>
+        </p:blipFill>
+        <p:spPr>
+          <a:xfrm>
+            <a:off x="5360950" y="5015438"/>
+            <a:ext cx="922298" cy="718811"/>
+          </a:xfrm>
+          <a:prstGeom prst="rect">
+            <a:avLst/>
+          </a:prstGeom>
+        </p:spPr>
+      </p:pic>
+      <p:pic>
+        <p:nvPicPr>
+          <p:cNvPr id="1026" name="Picture 2" descr="memory leak에 대한 이미지 검색결과"/>
+          <p:cNvPicPr>
+            <a:picLocks noChangeAspect="1" noChangeArrowheads="1"/>
+          </p:cNvPicPr>
+          <p:nvPr/>
+        </p:nvPicPr>
+        <p:blipFill rotWithShape="1">
+          <a:blip r:embed="rId8" cstate="print">
+            <a:extLst>
+              <a:ext uri="{BEBA8EAE-BF5A-486C-A8C5-ECC9F3942E4B}">
+                <a14:imgProps xmlns:a14="http://schemas.microsoft.com/office/drawing/2010/main">
+                  <a14:imgLayer r:embed="rId9">
+                    <a14:imgEffect>
+                      <a14:brightnessContrast contrast="40000"/>
+                    </a14:imgEffect>
+                  </a14:imgLayer>
+                </a14:imgProps>
+              </a:ext>
+              <a:ext uri="{28A0092B-C50C-407E-A947-70E740481C1C}">
+                <a14:useLocalDpi xmlns:a14="http://schemas.microsoft.com/office/drawing/2010/main" val="0"/>
+              </a:ext>
+            </a:extLst>
+          </a:blip>
+          <a:srcRect l="12916" r="11662"/>
+          <a:stretch/>
+        </p:blipFill>
+        <p:spPr bwMode="auto">
+          <a:xfrm>
+            <a:off x="4243867" y="4403668"/>
+            <a:ext cx="717695" cy="713262"/>
+          </a:xfrm>
+          <a:prstGeom prst="rect">
+            <a:avLst/>
+          </a:prstGeom>
+          <a:noFill/>
+          <a:extLst>
+            <a:ext uri="{909E8E84-426E-40DD-AFC4-6F175D3DCCD1}">
+              <a14:hiddenFill xmlns:a14="http://schemas.microsoft.com/office/drawing/2010/main">
+                <a:solidFill>
+                  <a:srgbClr val="FFFFFF"/>
+                </a:solidFill>
+              </a14:hiddenFill>
+            </a:ext>
+          </a:extLst>
+        </p:spPr>
+      </p:pic>
     </p:spTree>
     <p:extLst>
       <p:ext uri="{BB962C8B-B14F-4D97-AF65-F5344CB8AC3E}">
@@ -6835,6 +7667,13 @@
   <p:clrMapOvr>
     <a:masterClrMapping/>
   </p:clrMapOvr>
+  <p:timing>
+    <p:tnLst>
+      <p:par>
+        <p:cTn id="1" dur="indefinite" restart="never" nodeType="tmRoot"/>
+      </p:par>
+    </p:tnLst>
+  </p:timing>
 </p:sld>
 </file>
 
@@ -6924,7 +7763,22 @@
             </a:r>
             <a:r>
               <a:rPr lang="ko-KR" altLang="en-US" sz="2000" dirty="0"/>
-              <a:t> 기술이 적용될 때 고려되어야 하는 요소들에 대한 분석</a:t>
+              <a:t> 기술이 적용될 때 </a:t>
+            </a:r>
+            <a:r>
+              <a:rPr lang="en-US" altLang="ko-KR" sz="2000" dirty="0" smtClean="0"/>
+              <a:t/>
+            </a:r>
+            <a:br>
+              <a:rPr lang="en-US" altLang="ko-KR" sz="2000" dirty="0" smtClean="0"/>
+            </a:br>
+            <a:r>
+              <a:rPr lang="ko-KR" altLang="en-US" sz="2000" dirty="0" smtClean="0"/>
+              <a:t>고려되어야 </a:t>
+            </a:r>
+            <a:r>
+              <a:rPr lang="ko-KR" altLang="en-US" sz="2000" dirty="0"/>
+              <a:t>하는 요소들에 대한 분석</a:t>
             </a:r>
             <a:endParaRPr lang="en-US" altLang="ko-KR" sz="2000" dirty="0"/>
           </a:p>
@@ -6950,35 +7804,26 @@
             <a:pPr lvl="1"/>
             <a:r>
               <a:rPr lang="ko-KR" altLang="en-US" sz="1800" dirty="0"/>
-              <a:t>소비전력 수치</a:t>
+              <a:t>소비전력 </a:t>
+            </a:r>
+            <a:r>
+              <a:rPr lang="ko-KR" altLang="en-US" sz="1800" dirty="0" smtClean="0"/>
+              <a:t>그래프</a:t>
             </a:r>
             <a:endParaRPr lang="en-US" altLang="ko-KR" sz="1800" dirty="0"/>
           </a:p>
           <a:p>
-            <a:pPr lvl="1"/>
-            <a:r>
-              <a:rPr lang="ko-KR" altLang="en-US" sz="1800" dirty="0"/>
-              <a:t>그래프</a:t>
-            </a:r>
-            <a:endParaRPr lang="en-US" altLang="ko-KR" sz="1800" dirty="0"/>
-          </a:p>
-          <a:p>
-            <a:endParaRPr lang="en-US" altLang="ko-KR" sz="2000" dirty="0"/>
-          </a:p>
-          <a:p>
-            <a:r>
-              <a:rPr lang="ko-KR" altLang="en-US" sz="2000" dirty="0"/>
-              <a:t>각각의 모델을 사용할 때의 </a:t>
-            </a:r>
-            <a:r>
-              <a:rPr lang="en-US" altLang="ko-KR" sz="2000" dirty="0"/>
-              <a:t>Accuracy </a:t>
-            </a:r>
-            <a:r>
-              <a:rPr lang="ko-KR" altLang="en-US" sz="2000" dirty="0"/>
-              <a:t>비교</a:t>
-            </a:r>
-            <a:endParaRPr lang="en-US" altLang="ko-KR" sz="1800" dirty="0"/>
+            <a:pPr marL="274320" lvl="1" indent="0">
+              <a:buNone/>
+            </a:pPr>
+            <a:endParaRPr lang="en-US" altLang="ko-KR" dirty="0" smtClean="0"/>
+          </a:p>
+          <a:p>
+            <a:r>
+              <a:rPr lang="ko-KR" altLang="en-US" sz="2000" dirty="0" smtClean="0"/>
+              <a:t>시스템 상태 분석 방법에 대한 연구</a:t>
+            </a:r>
+            <a:endParaRPr lang="en-US" altLang="ko-KR" sz="2000" dirty="0" smtClean="0"/>
           </a:p>
           <a:p>
             <a:endParaRPr lang="en-US" altLang="ko-KR" sz="2000" dirty="0"/>
@@ -7054,6 +7899,13 @@
   <p:clrMapOvr>
     <a:masterClrMapping/>
   </p:clrMapOvr>
+  <p:timing>
+    <p:tnLst>
+      <p:par>
+        <p:cTn id="1" dur="indefinite" restart="never" nodeType="tmRoot"/>
+      </p:par>
+    </p:tnLst>
+  </p:timing>
 </p:sld>
 </file>
 
@@ -7136,8 +7988,8 @@
               <a:buNone/>
             </a:pPr>
             <a:r>
-              <a:rPr lang="en-US" altLang="ko-KR" sz="4800" dirty="0" err="1"/>
-              <a:t>QnA</a:t>
+              <a:rPr lang="en-US" altLang="ko-KR" sz="4800" dirty="0" smtClean="0"/>
+              <a:t>Q &amp; A</a:t>
             </a:r>
             <a:endParaRPr lang="ko-KR" altLang="en-US" dirty="0"/>
           </a:p>
@@ -7153,6 +8005,13 @@
   <p:clrMapOvr>
     <a:masterClrMapping/>
   </p:clrMapOvr>
+  <p:timing>
+    <p:tnLst>
+      <p:par>
+        <p:cTn id="1" dur="indefinite" restart="never" nodeType="tmRoot"/>
+      </p:par>
+    </p:tnLst>
+  </p:timing>
 </p:sld>
 </file>
 
